--- a/Techdays2016Cecilia.pptx
+++ b/Techdays2016Cecilia.pptx
@@ -15,7 +15,8 @@
     <p:sldId id="257" r:id="rId9"/>
     <p:sldId id="265" r:id="rId10"/>
     <p:sldId id="267" r:id="rId11"/>
-    <p:sldId id="266" r:id="rId12"/>
+    <p:sldId id="268" r:id="rId12"/>
+    <p:sldId id="266" r:id="rId13"/>
   </p:sldIdLst>
   <p:sldSz cx="12192000" cy="6858000"/>
   <p:notesSz cx="6858000" cy="9144000"/>
@@ -123,6 +124,7 @@
             <p14:sldId id="257"/>
             <p14:sldId id="265"/>
             <p14:sldId id="267"/>
+            <p14:sldId id="268"/>
           </p14:sldIdLst>
         </p14:section>
         <p14:section name="Slutet" id="{D5B2503D-28A8-4791-8283-67C5DFA593E6}">
@@ -10395,7 +10397,75 @@
   <p:timing>
     <p:tnLst>
       <p:par>
-        <p:cTn id="1" dur="indefinite" restart="never" nodeType="tmRoot"/>
+        <p:cTn id="1" dur="indefinite" restart="never" nodeType="tmRoot">
+          <p:childTnLst>
+            <p:seq concurrent="1" nextAc="seek">
+              <p:cTn id="2" dur="indefinite" nodeType="mainSeq">
+                <p:childTnLst>
+                  <p:par>
+                    <p:cTn id="3" fill="hold">
+                      <p:stCondLst>
+                        <p:cond delay="indefinite"/>
+                      </p:stCondLst>
+                      <p:childTnLst>
+                        <p:par>
+                          <p:cTn id="4" fill="hold">
+                            <p:stCondLst>
+                              <p:cond delay="0"/>
+                            </p:stCondLst>
+                            <p:childTnLst>
+                              <p:par>
+                                <p:cTn id="5" presetID="1" presetClass="entr" presetSubtype="0" fill="hold" nodeType="clickEffect">
+                                  <p:stCondLst>
+                                    <p:cond delay="0"/>
+                                  </p:stCondLst>
+                                  <p:childTnLst>
+                                    <p:set>
+                                      <p:cBhvr>
+                                        <p:cTn id="6" dur="1" fill="hold">
+                                          <p:stCondLst>
+                                            <p:cond delay="0"/>
+                                          </p:stCondLst>
+                                        </p:cTn>
+                                        <p:tgtEl>
+                                          <p:spTgt spid="2"/>
+                                        </p:tgtEl>
+                                        <p:attrNameLst>
+                                          <p:attrName>style.visibility</p:attrName>
+                                        </p:attrNameLst>
+                                      </p:cBhvr>
+                                      <p:to>
+                                        <p:strVal val="visible"/>
+                                      </p:to>
+                                    </p:set>
+                                  </p:childTnLst>
+                                </p:cTn>
+                              </p:par>
+                            </p:childTnLst>
+                          </p:cTn>
+                        </p:par>
+                      </p:childTnLst>
+                    </p:cTn>
+                  </p:par>
+                </p:childTnLst>
+              </p:cTn>
+              <p:prevCondLst>
+                <p:cond evt="onPrev" delay="0">
+                  <p:tgtEl>
+                    <p:sldTgt/>
+                  </p:tgtEl>
+                </p:cond>
+              </p:prevCondLst>
+              <p:nextCondLst>
+                <p:cond evt="onNext" delay="0">
+                  <p:tgtEl>
+                    <p:sldTgt/>
+                  </p:tgtEl>
+                </p:cond>
+              </p:nextCondLst>
+            </p:seq>
+          </p:childTnLst>
+        </p:cTn>
       </p:par>
     </p:tnLst>
   </p:timing>
@@ -13521,6 +13591,152 @@
           <a:chExt cx="0" cy="0"/>
         </a:xfrm>
       </p:grpSpPr>
+      <p:sp>
+        <p:nvSpPr>
+          <p:cNvPr id="3" name="TextBox 2"/>
+          <p:cNvSpPr txBox="1"/>
+          <p:nvPr/>
+        </p:nvSpPr>
+        <p:spPr>
+          <a:xfrm>
+            <a:off x="4002742" y="2129116"/>
+            <a:ext cx="4424609" cy="1107996"/>
+          </a:xfrm>
+          <a:prstGeom prst="rect">
+            <a:avLst/>
+          </a:prstGeom>
+          <a:noFill/>
+        </p:spPr>
+        <p:txBody>
+          <a:bodyPr wrap="none" rtlCol="0">
+            <a:spAutoFit/>
+          </a:bodyPr>
+          <a:lstStyle/>
+          <a:p>
+            <a:r>
+              <a:rPr lang="sv-SE" sz="6600" dirty="0" smtClean="0">
+                <a:solidFill>
+                  <a:srgbClr val="FFC000"/>
+                </a:solidFill>
+              </a:rPr>
+              <a:t>DEMO-TIME</a:t>
+            </a:r>
+            <a:endParaRPr lang="sv-SE" sz="6600" dirty="0">
+              <a:solidFill>
+                <a:srgbClr val="FFC000"/>
+              </a:solidFill>
+            </a:endParaRPr>
+          </a:p>
+        </p:txBody>
+      </p:sp>
+    </p:spTree>
+    <p:extLst>
+      <p:ext uri="{BB962C8B-B14F-4D97-AF65-F5344CB8AC3E}">
+        <p14:creationId xmlns:p14="http://schemas.microsoft.com/office/powerpoint/2010/main" val="1450156135"/>
+      </p:ext>
+    </p:extLst>
+  </p:cSld>
+  <p:clrMapOvr>
+    <a:masterClrMapping/>
+  </p:clrMapOvr>
+  <p:timing>
+    <p:tnLst>
+      <p:par>
+        <p:cTn id="1" dur="indefinite" restart="never" nodeType="tmRoot">
+          <p:childTnLst>
+            <p:seq concurrent="1" nextAc="seek">
+              <p:cTn id="2" dur="indefinite" nodeType="mainSeq">
+                <p:childTnLst>
+                  <p:par>
+                    <p:cTn id="3" fill="hold">
+                      <p:stCondLst>
+                        <p:cond delay="indefinite"/>
+                      </p:stCondLst>
+                      <p:childTnLst>
+                        <p:par>
+                          <p:cTn id="4" fill="hold">
+                            <p:stCondLst>
+                              <p:cond delay="0"/>
+                            </p:stCondLst>
+                            <p:childTnLst>
+                              <p:par>
+                                <p:cTn id="5" presetID="1" presetClass="entr" presetSubtype="0" fill="hold" grpId="0" nodeType="clickEffect">
+                                  <p:stCondLst>
+                                    <p:cond delay="0"/>
+                                  </p:stCondLst>
+                                  <p:childTnLst>
+                                    <p:set>
+                                      <p:cBhvr>
+                                        <p:cTn id="6" dur="1" fill="hold">
+                                          <p:stCondLst>
+                                            <p:cond delay="0"/>
+                                          </p:stCondLst>
+                                        </p:cTn>
+                                        <p:tgtEl>
+                                          <p:spTgt spid="3"/>
+                                        </p:tgtEl>
+                                        <p:attrNameLst>
+                                          <p:attrName>style.visibility</p:attrName>
+                                        </p:attrNameLst>
+                                      </p:cBhvr>
+                                      <p:to>
+                                        <p:strVal val="visible"/>
+                                      </p:to>
+                                    </p:set>
+                                  </p:childTnLst>
+                                </p:cTn>
+                              </p:par>
+                            </p:childTnLst>
+                          </p:cTn>
+                        </p:par>
+                      </p:childTnLst>
+                    </p:cTn>
+                  </p:par>
+                </p:childTnLst>
+              </p:cTn>
+              <p:prevCondLst>
+                <p:cond evt="onPrev" delay="0">
+                  <p:tgtEl>
+                    <p:sldTgt/>
+                  </p:tgtEl>
+                </p:cond>
+              </p:prevCondLst>
+              <p:nextCondLst>
+                <p:cond evt="onNext" delay="0">
+                  <p:tgtEl>
+                    <p:sldTgt/>
+                  </p:tgtEl>
+                </p:cond>
+              </p:nextCondLst>
+            </p:seq>
+          </p:childTnLst>
+        </p:cTn>
+      </p:par>
+    </p:tnLst>
+    <p:bldLst>
+      <p:bldP spid="3" grpId="0"/>
+    </p:bldLst>
+  </p:timing>
+</p:sld>
+</file>
+
+<file path=ppt/slides/slide6.xml><?xml version="1.0" encoding="utf-8"?>
+<p:sld xmlns:a="http://schemas.openxmlformats.org/drawingml/2006/main" xmlns:r="http://schemas.openxmlformats.org/officeDocument/2006/relationships" xmlns:p="http://schemas.openxmlformats.org/presentationml/2006/main">
+  <p:cSld>
+    <p:spTree>
+      <p:nvGrpSpPr>
+        <p:cNvPr id="1" name=""/>
+        <p:cNvGrpSpPr/>
+        <p:nvPr/>
+      </p:nvGrpSpPr>
+      <p:grpSpPr>
+        <a:xfrm>
+          <a:off x="0" y="0"/>
+          <a:ext cx="0" cy="0"/>
+          <a:chOff x="0" y="0"/>
+          <a:chExt cx="0" cy="0"/>
+        </a:xfrm>
+      </p:grpSpPr>
     </p:spTree>
     <p:extLst>
       <p:ext uri="{BB962C8B-B14F-4D97-AF65-F5344CB8AC3E}">

--- a/Techdays2016Cecilia.pptx
+++ b/Techdays2016Cecilia.pptx
@@ -13,10 +13,11 @@
   <p:sldIdLst>
     <p:sldId id="261" r:id="rId8"/>
     <p:sldId id="257" r:id="rId9"/>
-    <p:sldId id="265" r:id="rId10"/>
-    <p:sldId id="267" r:id="rId11"/>
-    <p:sldId id="268" r:id="rId12"/>
-    <p:sldId id="266" r:id="rId13"/>
+    <p:sldId id="269" r:id="rId10"/>
+    <p:sldId id="265" r:id="rId11"/>
+    <p:sldId id="267" r:id="rId12"/>
+    <p:sldId id="268" r:id="rId13"/>
+    <p:sldId id="266" r:id="rId14"/>
   </p:sldIdLst>
   <p:sldSz cx="12192000" cy="6858000"/>
   <p:notesSz cx="6858000" cy="9144000"/>
@@ -122,6 +123,7 @@
           <p14:sldIdLst>
             <p14:sldId id="261"/>
             <p14:sldId id="257"/>
+            <p14:sldId id="269"/>
             <p14:sldId id="265"/>
             <p14:sldId id="267"/>
             <p14:sldId id="268"/>
@@ -10473,6 +10475,554 @@
 </file>
 
 <file path=ppt/slides/slide3.xml><?xml version="1.0" encoding="utf-8"?>
+<p:sld xmlns:a="http://schemas.openxmlformats.org/drawingml/2006/main" xmlns:r="http://schemas.openxmlformats.org/officeDocument/2006/relationships" xmlns:p="http://schemas.openxmlformats.org/presentationml/2006/main">
+  <p:cSld>
+    <p:spTree>
+      <p:nvGrpSpPr>
+        <p:cNvPr id="1" name=""/>
+        <p:cNvGrpSpPr/>
+        <p:nvPr/>
+      </p:nvGrpSpPr>
+      <p:grpSpPr>
+        <a:xfrm>
+          <a:off x="0" y="0"/>
+          <a:ext cx="0" cy="0"/>
+          <a:chOff x="0" y="0"/>
+          <a:chExt cx="0" cy="0"/>
+        </a:xfrm>
+      </p:grpSpPr>
+      <p:sp>
+        <p:nvSpPr>
+          <p:cNvPr id="4" name="TextBox 3"/>
+          <p:cNvSpPr txBox="1"/>
+          <p:nvPr/>
+        </p:nvSpPr>
+        <p:spPr>
+          <a:xfrm>
+            <a:off x="5374099" y="2134224"/>
+            <a:ext cx="2882520" cy="523220"/>
+          </a:xfrm>
+          <a:prstGeom prst="rect">
+            <a:avLst/>
+          </a:prstGeom>
+          <a:noFill/>
+        </p:spPr>
+        <p:txBody>
+          <a:bodyPr wrap="none" rtlCol="0">
+            <a:spAutoFit/>
+          </a:bodyPr>
+          <a:lstStyle/>
+          <a:p>
+            <a:r>
+              <a:rPr lang="sv-SE" sz="2800" dirty="0" smtClean="0">
+                <a:solidFill>
+                  <a:schemeClr val="bg1"/>
+                </a:solidFill>
+              </a:rPr>
+              <a:t>Visual Studio 2015</a:t>
+            </a:r>
+            <a:endParaRPr lang="sv-SE" sz="2800" dirty="0">
+              <a:solidFill>
+                <a:schemeClr val="bg1"/>
+              </a:solidFill>
+            </a:endParaRPr>
+          </a:p>
+        </p:txBody>
+      </p:sp>
+      <p:sp>
+        <p:nvSpPr>
+          <p:cNvPr id="5" name="TextBox 4"/>
+          <p:cNvSpPr txBox="1"/>
+          <p:nvPr/>
+        </p:nvSpPr>
+        <p:spPr>
+          <a:xfrm>
+            <a:off x="5374099" y="2859892"/>
+            <a:ext cx="2882520" cy="523220"/>
+          </a:xfrm>
+          <a:prstGeom prst="rect">
+            <a:avLst/>
+          </a:prstGeom>
+          <a:noFill/>
+        </p:spPr>
+        <p:txBody>
+          <a:bodyPr wrap="none" rtlCol="0">
+            <a:spAutoFit/>
+          </a:bodyPr>
+          <a:lstStyle/>
+          <a:p>
+            <a:r>
+              <a:rPr lang="sv-SE" sz="2800" dirty="0" smtClean="0">
+                <a:solidFill>
+                  <a:schemeClr val="bg1"/>
+                </a:solidFill>
+              </a:rPr>
+              <a:t>Visual Studio 2017</a:t>
+            </a:r>
+            <a:endParaRPr lang="sv-SE" sz="2800" dirty="0">
+              <a:solidFill>
+                <a:schemeClr val="bg1"/>
+              </a:solidFill>
+            </a:endParaRPr>
+          </a:p>
+        </p:txBody>
+      </p:sp>
+      <p:sp>
+        <p:nvSpPr>
+          <p:cNvPr id="6" name="TextBox 5"/>
+          <p:cNvSpPr txBox="1"/>
+          <p:nvPr/>
+        </p:nvSpPr>
+        <p:spPr>
+          <a:xfrm>
+            <a:off x="5374099" y="1408556"/>
+            <a:ext cx="2882520" cy="523220"/>
+          </a:xfrm>
+          <a:prstGeom prst="rect">
+            <a:avLst/>
+          </a:prstGeom>
+          <a:noFill/>
+        </p:spPr>
+        <p:txBody>
+          <a:bodyPr wrap="none" rtlCol="0">
+            <a:spAutoFit/>
+          </a:bodyPr>
+          <a:lstStyle/>
+          <a:p>
+            <a:r>
+              <a:rPr lang="sv-SE" sz="2800" dirty="0" smtClean="0">
+                <a:solidFill>
+                  <a:schemeClr val="bg1"/>
+                </a:solidFill>
+              </a:rPr>
+              <a:t>Visual Studio 2013</a:t>
+            </a:r>
+            <a:endParaRPr lang="sv-SE" sz="2800" dirty="0">
+              <a:solidFill>
+                <a:schemeClr val="bg1"/>
+              </a:solidFill>
+            </a:endParaRPr>
+          </a:p>
+        </p:txBody>
+      </p:sp>
+      <p:sp>
+        <p:nvSpPr>
+          <p:cNvPr id="7" name="TextBox 6"/>
+          <p:cNvSpPr txBox="1"/>
+          <p:nvPr/>
+        </p:nvSpPr>
+        <p:spPr>
+          <a:xfrm>
+            <a:off x="3996393" y="2134224"/>
+            <a:ext cx="550151" cy="523220"/>
+          </a:xfrm>
+          <a:prstGeom prst="rect">
+            <a:avLst/>
+          </a:prstGeom>
+          <a:noFill/>
+        </p:spPr>
+        <p:txBody>
+          <a:bodyPr wrap="none" rtlCol="0">
+            <a:spAutoFit/>
+          </a:bodyPr>
+          <a:lstStyle/>
+          <a:p>
+            <a:r>
+              <a:rPr lang="sv-SE" sz="2800" dirty="0" smtClean="0">
+                <a:solidFill>
+                  <a:schemeClr val="bg1"/>
+                </a:solidFill>
+              </a:rPr>
+              <a:t>14</a:t>
+            </a:r>
+            <a:endParaRPr lang="sv-SE" sz="2800" dirty="0">
+              <a:solidFill>
+                <a:schemeClr val="bg1"/>
+              </a:solidFill>
+            </a:endParaRPr>
+          </a:p>
+        </p:txBody>
+      </p:sp>
+      <p:sp>
+        <p:nvSpPr>
+          <p:cNvPr id="9" name="TextBox 8"/>
+          <p:cNvSpPr txBox="1"/>
+          <p:nvPr/>
+        </p:nvSpPr>
+        <p:spPr>
+          <a:xfrm>
+            <a:off x="3996392" y="2848213"/>
+            <a:ext cx="550151" cy="523220"/>
+          </a:xfrm>
+          <a:prstGeom prst="rect">
+            <a:avLst/>
+          </a:prstGeom>
+          <a:noFill/>
+        </p:spPr>
+        <p:txBody>
+          <a:bodyPr wrap="none" rtlCol="0">
+            <a:spAutoFit/>
+          </a:bodyPr>
+          <a:lstStyle/>
+          <a:p>
+            <a:r>
+              <a:rPr lang="sv-SE" sz="2800" dirty="0" smtClean="0">
+                <a:solidFill>
+                  <a:schemeClr val="bg1"/>
+                </a:solidFill>
+              </a:rPr>
+              <a:t>15</a:t>
+            </a:r>
+            <a:endParaRPr lang="sv-SE" sz="2800" dirty="0">
+              <a:solidFill>
+                <a:schemeClr val="bg1"/>
+              </a:solidFill>
+            </a:endParaRPr>
+          </a:p>
+        </p:txBody>
+      </p:sp>
+      <p:sp>
+        <p:nvSpPr>
+          <p:cNvPr id="10" name="TextBox 9"/>
+          <p:cNvSpPr txBox="1"/>
+          <p:nvPr/>
+        </p:nvSpPr>
+        <p:spPr>
+          <a:xfrm>
+            <a:off x="3996391" y="1408556"/>
+            <a:ext cx="550151" cy="523220"/>
+          </a:xfrm>
+          <a:prstGeom prst="rect">
+            <a:avLst/>
+          </a:prstGeom>
+          <a:noFill/>
+        </p:spPr>
+        <p:txBody>
+          <a:bodyPr wrap="none" rtlCol="0">
+            <a:spAutoFit/>
+          </a:bodyPr>
+          <a:lstStyle/>
+          <a:p>
+            <a:r>
+              <a:rPr lang="sv-SE" sz="2800" dirty="0" smtClean="0">
+                <a:solidFill>
+                  <a:schemeClr val="bg1"/>
+                </a:solidFill>
+              </a:rPr>
+              <a:t>13</a:t>
+            </a:r>
+            <a:endParaRPr lang="sv-SE" sz="2800" dirty="0">
+              <a:solidFill>
+                <a:schemeClr val="bg1"/>
+              </a:solidFill>
+            </a:endParaRPr>
+          </a:p>
+        </p:txBody>
+      </p:sp>
+    </p:spTree>
+    <p:extLst>
+      <p:ext uri="{BB962C8B-B14F-4D97-AF65-F5344CB8AC3E}">
+        <p14:creationId xmlns:p14="http://schemas.microsoft.com/office/powerpoint/2010/main" val="4120930867"/>
+      </p:ext>
+    </p:extLst>
+  </p:cSld>
+  <p:clrMapOvr>
+    <a:masterClrMapping/>
+  </p:clrMapOvr>
+  <p:timing>
+    <p:tnLst>
+      <p:par>
+        <p:cTn id="1" dur="indefinite" restart="never" nodeType="tmRoot">
+          <p:childTnLst>
+            <p:seq concurrent="1" nextAc="seek">
+              <p:cTn id="2" dur="indefinite" nodeType="mainSeq">
+                <p:childTnLst>
+                  <p:par>
+                    <p:cTn id="3" fill="hold">
+                      <p:stCondLst>
+                        <p:cond delay="indefinite"/>
+                      </p:stCondLst>
+                      <p:childTnLst>
+                        <p:par>
+                          <p:cTn id="4" fill="hold">
+                            <p:stCondLst>
+                              <p:cond delay="0"/>
+                            </p:stCondLst>
+                            <p:childTnLst>
+                              <p:par>
+                                <p:cTn id="5" presetID="1" presetClass="entr" presetSubtype="0" fill="hold" grpId="0" nodeType="clickEffect">
+                                  <p:stCondLst>
+                                    <p:cond delay="0"/>
+                                  </p:stCondLst>
+                                  <p:childTnLst>
+                                    <p:set>
+                                      <p:cBhvr>
+                                        <p:cTn id="6" dur="1" fill="hold">
+                                          <p:stCondLst>
+                                            <p:cond delay="0"/>
+                                          </p:stCondLst>
+                                        </p:cTn>
+                                        <p:tgtEl>
+                                          <p:spTgt spid="4"/>
+                                        </p:tgtEl>
+                                        <p:attrNameLst>
+                                          <p:attrName>style.visibility</p:attrName>
+                                        </p:attrNameLst>
+                                      </p:cBhvr>
+                                      <p:to>
+                                        <p:strVal val="visible"/>
+                                      </p:to>
+                                    </p:set>
+                                  </p:childTnLst>
+                                </p:cTn>
+                              </p:par>
+                            </p:childTnLst>
+                          </p:cTn>
+                        </p:par>
+                      </p:childTnLst>
+                    </p:cTn>
+                  </p:par>
+                  <p:par>
+                    <p:cTn id="7" fill="hold">
+                      <p:stCondLst>
+                        <p:cond delay="indefinite"/>
+                      </p:stCondLst>
+                      <p:childTnLst>
+                        <p:par>
+                          <p:cTn id="8" fill="hold">
+                            <p:stCondLst>
+                              <p:cond delay="0"/>
+                            </p:stCondLst>
+                            <p:childTnLst>
+                              <p:par>
+                                <p:cTn id="9" presetID="1" presetClass="entr" presetSubtype="0" fill="hold" grpId="0" nodeType="clickEffect">
+                                  <p:stCondLst>
+                                    <p:cond delay="0"/>
+                                  </p:stCondLst>
+                                  <p:childTnLst>
+                                    <p:set>
+                                      <p:cBhvr>
+                                        <p:cTn id="10" dur="1" fill="hold">
+                                          <p:stCondLst>
+                                            <p:cond delay="0"/>
+                                          </p:stCondLst>
+                                        </p:cTn>
+                                        <p:tgtEl>
+                                          <p:spTgt spid="7"/>
+                                        </p:tgtEl>
+                                        <p:attrNameLst>
+                                          <p:attrName>style.visibility</p:attrName>
+                                        </p:attrNameLst>
+                                      </p:cBhvr>
+                                      <p:to>
+                                        <p:strVal val="visible"/>
+                                      </p:to>
+                                    </p:set>
+                                  </p:childTnLst>
+                                </p:cTn>
+                              </p:par>
+                            </p:childTnLst>
+                          </p:cTn>
+                        </p:par>
+                      </p:childTnLst>
+                    </p:cTn>
+                  </p:par>
+                  <p:par>
+                    <p:cTn id="11" fill="hold">
+                      <p:stCondLst>
+                        <p:cond delay="indefinite"/>
+                      </p:stCondLst>
+                      <p:childTnLst>
+                        <p:par>
+                          <p:cTn id="12" fill="hold">
+                            <p:stCondLst>
+                              <p:cond delay="0"/>
+                            </p:stCondLst>
+                            <p:childTnLst>
+                              <p:par>
+                                <p:cTn id="13" presetID="1" presetClass="entr" presetSubtype="0" fill="hold" grpId="0" nodeType="clickEffect">
+                                  <p:stCondLst>
+                                    <p:cond delay="0"/>
+                                  </p:stCondLst>
+                                  <p:childTnLst>
+                                    <p:set>
+                                      <p:cBhvr>
+                                        <p:cTn id="14" dur="1" fill="hold">
+                                          <p:stCondLst>
+                                            <p:cond delay="0"/>
+                                          </p:stCondLst>
+                                        </p:cTn>
+                                        <p:tgtEl>
+                                          <p:spTgt spid="9"/>
+                                        </p:tgtEl>
+                                        <p:attrNameLst>
+                                          <p:attrName>style.visibility</p:attrName>
+                                        </p:attrNameLst>
+                                      </p:cBhvr>
+                                      <p:to>
+                                        <p:strVal val="visible"/>
+                                      </p:to>
+                                    </p:set>
+                                  </p:childTnLst>
+                                </p:cTn>
+                              </p:par>
+                            </p:childTnLst>
+                          </p:cTn>
+                        </p:par>
+                      </p:childTnLst>
+                    </p:cTn>
+                  </p:par>
+                  <p:par>
+                    <p:cTn id="15" fill="hold">
+                      <p:stCondLst>
+                        <p:cond delay="indefinite"/>
+                      </p:stCondLst>
+                      <p:childTnLst>
+                        <p:par>
+                          <p:cTn id="16" fill="hold">
+                            <p:stCondLst>
+                              <p:cond delay="0"/>
+                            </p:stCondLst>
+                            <p:childTnLst>
+                              <p:par>
+                                <p:cTn id="17" presetID="1" presetClass="entr" presetSubtype="0" fill="hold" grpId="0" nodeType="clickEffect">
+                                  <p:stCondLst>
+                                    <p:cond delay="0"/>
+                                  </p:stCondLst>
+                                  <p:childTnLst>
+                                    <p:set>
+                                      <p:cBhvr>
+                                        <p:cTn id="18" dur="1" fill="hold">
+                                          <p:stCondLst>
+                                            <p:cond delay="0"/>
+                                          </p:stCondLst>
+                                        </p:cTn>
+                                        <p:tgtEl>
+                                          <p:spTgt spid="5"/>
+                                        </p:tgtEl>
+                                        <p:attrNameLst>
+                                          <p:attrName>style.visibility</p:attrName>
+                                        </p:attrNameLst>
+                                      </p:cBhvr>
+                                      <p:to>
+                                        <p:strVal val="visible"/>
+                                      </p:to>
+                                    </p:set>
+                                  </p:childTnLst>
+                                </p:cTn>
+                              </p:par>
+                            </p:childTnLst>
+                          </p:cTn>
+                        </p:par>
+                      </p:childTnLst>
+                    </p:cTn>
+                  </p:par>
+                  <p:par>
+                    <p:cTn id="19" fill="hold">
+                      <p:stCondLst>
+                        <p:cond delay="indefinite"/>
+                      </p:stCondLst>
+                      <p:childTnLst>
+                        <p:par>
+                          <p:cTn id="20" fill="hold">
+                            <p:stCondLst>
+                              <p:cond delay="0"/>
+                            </p:stCondLst>
+                            <p:childTnLst>
+                              <p:par>
+                                <p:cTn id="21" presetID="1" presetClass="entr" presetSubtype="0" fill="hold" grpId="0" nodeType="clickEffect">
+                                  <p:stCondLst>
+                                    <p:cond delay="0"/>
+                                  </p:stCondLst>
+                                  <p:childTnLst>
+                                    <p:set>
+                                      <p:cBhvr>
+                                        <p:cTn id="22" dur="1" fill="hold">
+                                          <p:stCondLst>
+                                            <p:cond delay="0"/>
+                                          </p:stCondLst>
+                                        </p:cTn>
+                                        <p:tgtEl>
+                                          <p:spTgt spid="10"/>
+                                        </p:tgtEl>
+                                        <p:attrNameLst>
+                                          <p:attrName>style.visibility</p:attrName>
+                                        </p:attrNameLst>
+                                      </p:cBhvr>
+                                      <p:to>
+                                        <p:strVal val="visible"/>
+                                      </p:to>
+                                    </p:set>
+                                  </p:childTnLst>
+                                </p:cTn>
+                              </p:par>
+                              <p:par>
+                                <p:cTn id="23" presetID="1" presetClass="entr" presetSubtype="0" fill="hold" grpId="0" nodeType="withEffect">
+                                  <p:stCondLst>
+                                    <p:cond delay="0"/>
+                                  </p:stCondLst>
+                                  <p:childTnLst>
+                                    <p:set>
+                                      <p:cBhvr>
+                                        <p:cTn id="24" dur="1" fill="hold">
+                                          <p:stCondLst>
+                                            <p:cond delay="0"/>
+                                          </p:stCondLst>
+                                        </p:cTn>
+                                        <p:tgtEl>
+                                          <p:spTgt spid="6"/>
+                                        </p:tgtEl>
+                                        <p:attrNameLst>
+                                          <p:attrName>style.visibility</p:attrName>
+                                        </p:attrNameLst>
+                                      </p:cBhvr>
+                                      <p:to>
+                                        <p:strVal val="visible"/>
+                                      </p:to>
+                                    </p:set>
+                                  </p:childTnLst>
+                                </p:cTn>
+                              </p:par>
+                            </p:childTnLst>
+                          </p:cTn>
+                        </p:par>
+                      </p:childTnLst>
+                    </p:cTn>
+                  </p:par>
+                </p:childTnLst>
+              </p:cTn>
+              <p:prevCondLst>
+                <p:cond evt="onPrev" delay="0">
+                  <p:tgtEl>
+                    <p:sldTgt/>
+                  </p:tgtEl>
+                </p:cond>
+              </p:prevCondLst>
+              <p:nextCondLst>
+                <p:cond evt="onNext" delay="0">
+                  <p:tgtEl>
+                    <p:sldTgt/>
+                  </p:tgtEl>
+                </p:cond>
+              </p:nextCondLst>
+            </p:seq>
+          </p:childTnLst>
+        </p:cTn>
+      </p:par>
+    </p:tnLst>
+    <p:bldLst>
+      <p:bldP spid="4" grpId="0"/>
+      <p:bldP spid="5" grpId="0"/>
+      <p:bldP spid="6" grpId="0"/>
+      <p:bldP spid="7" grpId="0"/>
+      <p:bldP spid="9" grpId="0"/>
+      <p:bldP spid="10" grpId="0"/>
+    </p:bldLst>
+  </p:timing>
+</p:sld>
+</file>
+
+<file path=ppt/slides/slide4.xml><?xml version="1.0" encoding="utf-8"?>
 <p:sld xmlns:a="http://schemas.openxmlformats.org/drawingml/2006/main" xmlns:r="http://schemas.openxmlformats.org/officeDocument/2006/relationships" xmlns:p="http://schemas.openxmlformats.org/presentationml/2006/main">
   <p:cSld>
     <p:spTree>
@@ -13394,7 +13944,7 @@
 </p:sld>
 </file>
 
-<file path=ppt/slides/slide4.xml><?xml version="1.0" encoding="utf-8"?>
+<file path=ppt/slides/slide5.xml><?xml version="1.0" encoding="utf-8"?>
 <p:sld xmlns:a="http://schemas.openxmlformats.org/drawingml/2006/main" xmlns:r="http://schemas.openxmlformats.org/officeDocument/2006/relationships" xmlns:p="http://schemas.openxmlformats.org/presentationml/2006/main">
   <p:cSld>
     <p:spTree>
@@ -13574,7 +14124,7 @@
 </p:sld>
 </file>
 
-<file path=ppt/slides/slide5.xml><?xml version="1.0" encoding="utf-8"?>
+<file path=ppt/slides/slide6.xml><?xml version="1.0" encoding="utf-8"?>
 <p:sld xmlns:a="http://schemas.openxmlformats.org/drawingml/2006/main" xmlns:r="http://schemas.openxmlformats.org/officeDocument/2006/relationships" xmlns:p="http://schemas.openxmlformats.org/presentationml/2006/main">
   <p:cSld>
     <p:spTree>
@@ -13720,7 +14270,7 @@
 </p:sld>
 </file>
 
-<file path=ppt/slides/slide6.xml><?xml version="1.0" encoding="utf-8"?>
+<file path=ppt/slides/slide7.xml><?xml version="1.0" encoding="utf-8"?>
 <p:sld xmlns:a="http://schemas.openxmlformats.org/drawingml/2006/main" xmlns:r="http://schemas.openxmlformats.org/officeDocument/2006/relationships" xmlns:p="http://schemas.openxmlformats.org/presentationml/2006/main">
   <p:cSld>
     <p:spTree>
